--- a/Documents/Facebook&Twiter分享.pptx
+++ b/Documents/Facebook&Twiter分享.pptx
@@ -224,7 +224,7 @@
           <a:p>
             <a:fld id="{D2A48B96-639E-45A3-A0BA-2464DFDB1FAA}" type="datetimeFigureOut">
               <a:rPr lang="zh-CN" altLang="en-US" smtClean="0"/>
-              <a:t>2017/6/9</a:t>
+              <a:t>2017/6/12</a:t>
             </a:fld>
             <a:endParaRPr lang="zh-CN" altLang="en-US"/>
           </a:p>
@@ -526,7 +526,7 @@
           <a:p>
             <a:fld id="{82F288E0-7875-42C4-84C8-98DBBD3BF4D2}" type="datetimeFigureOut">
               <a:rPr lang="zh-CN" altLang="en-US" smtClean="0"/>
-              <a:t>2017/6/9</a:t>
+              <a:t>2017/6/12</a:t>
             </a:fld>
             <a:endParaRPr lang="zh-CN" altLang="en-US"/>
           </a:p>
@@ -683,7 +683,7 @@
           <a:p>
             <a:fld id="{82F288E0-7875-42C4-84C8-98DBBD3BF4D2}" type="datetimeFigureOut">
               <a:rPr lang="zh-CN" altLang="en-US" smtClean="0"/>
-              <a:t>2017/6/9</a:t>
+              <a:t>2017/6/12</a:t>
             </a:fld>
             <a:endParaRPr lang="zh-CN" altLang="en-US"/>
           </a:p>
@@ -885,7 +885,7 @@
           <a:p>
             <a:fld id="{82F288E0-7875-42C4-84C8-98DBBD3BF4D2}" type="datetimeFigureOut">
               <a:rPr lang="zh-CN" altLang="en-US" smtClean="0"/>
-              <a:t>2017/6/9</a:t>
+              <a:t>2017/6/12</a:t>
             </a:fld>
             <a:endParaRPr lang="zh-CN" altLang="en-US"/>
           </a:p>
@@ -1075,7 +1075,7 @@
           <a:p>
             <a:fld id="{82F288E0-7875-42C4-84C8-98DBBD3BF4D2}" type="datetimeFigureOut">
               <a:rPr lang="zh-CN" altLang="en-US" smtClean="0"/>
-              <a:t>2017/6/9</a:t>
+              <a:t>2017/6/12</a:t>
             </a:fld>
             <a:endParaRPr lang="zh-CN" altLang="en-US"/>
           </a:p>
@@ -1331,7 +1331,7 @@
           <a:p>
             <a:fld id="{82F288E0-7875-42C4-84C8-98DBBD3BF4D2}" type="datetimeFigureOut">
               <a:rPr lang="zh-CN" altLang="en-US" smtClean="0"/>
-              <a:t>2017/6/9</a:t>
+              <a:t>2017/6/12</a:t>
             </a:fld>
             <a:endParaRPr lang="zh-CN" altLang="en-US"/>
           </a:p>
@@ -1578,7 +1578,7 @@
           <a:p>
             <a:fld id="{82F288E0-7875-42C4-84C8-98DBBD3BF4D2}" type="datetimeFigureOut">
               <a:rPr lang="zh-CN" altLang="en-US" smtClean="0"/>
-              <a:t>2017/6/9</a:t>
+              <a:t>2017/6/12</a:t>
             </a:fld>
             <a:endParaRPr lang="zh-CN" altLang="en-US"/>
           </a:p>
@@ -1955,7 +1955,7 @@
           <a:p>
             <a:fld id="{82F288E0-7875-42C4-84C8-98DBBD3BF4D2}" type="datetimeFigureOut">
               <a:rPr lang="zh-CN" altLang="en-US" smtClean="0"/>
-              <a:t>2017/6/9</a:t>
+              <a:t>2017/6/12</a:t>
             </a:fld>
             <a:endParaRPr lang="zh-CN" altLang="en-US"/>
           </a:p>
@@ -2088,7 +2088,7 @@
           <a:p>
             <a:fld id="{82F288E0-7875-42C4-84C8-98DBBD3BF4D2}" type="datetimeFigureOut">
               <a:rPr lang="zh-CN" altLang="en-US" smtClean="0"/>
-              <a:t>2017/6/9</a:t>
+              <a:t>2017/6/12</a:t>
             </a:fld>
             <a:endParaRPr lang="zh-CN" altLang="en-US"/>
           </a:p>
@@ -2193,7 +2193,7 @@
           <a:p>
             <a:fld id="{82F288E0-7875-42C4-84C8-98DBBD3BF4D2}" type="datetimeFigureOut">
               <a:rPr lang="zh-CN" altLang="en-US" smtClean="0"/>
-              <a:t>2017/6/9</a:t>
+              <a:t>2017/6/12</a:t>
             </a:fld>
             <a:endParaRPr lang="zh-CN" altLang="en-US"/>
           </a:p>
@@ -2456,7 +2456,7 @@
           <a:p>
             <a:fld id="{82F288E0-7875-42C4-84C8-98DBBD3BF4D2}" type="datetimeFigureOut">
               <a:rPr lang="zh-CN" altLang="en-US" smtClean="0"/>
-              <a:t>2017/6/9</a:t>
+              <a:t>2017/6/12</a:t>
             </a:fld>
             <a:endParaRPr lang="zh-CN" altLang="en-US"/>
           </a:p>
@@ -2646,7 +2646,7 @@
           <a:p>
             <a:fld id="{82F288E0-7875-42C4-84C8-98DBBD3BF4D2}" type="datetimeFigureOut">
               <a:rPr lang="zh-CN" altLang="en-US" smtClean="0"/>
-              <a:t>2017/6/9</a:t>
+              <a:t>2017/6/12</a:t>
             </a:fld>
             <a:endParaRPr lang="zh-CN" altLang="en-US"/>
           </a:p>
@@ -2843,7 +2843,7 @@
           <a:p>
             <a:fld id="{82F288E0-7875-42C4-84C8-98DBBD3BF4D2}" type="datetimeFigureOut">
               <a:rPr lang="zh-CN" altLang="en-US" smtClean="0"/>
-              <a:t>2017/6/9</a:t>
+              <a:t>2017/6/12</a:t>
             </a:fld>
             <a:endParaRPr lang="zh-CN" altLang="en-US"/>
           </a:p>
@@ -3005,7 +3005,7 @@
           <a:p>
             <a:fld id="{82F288E0-7875-42C4-84C8-98DBBD3BF4D2}" type="datetimeFigureOut">
               <a:rPr lang="zh-CN" altLang="en-US" smtClean="0"/>
-              <a:t>2017/6/9</a:t>
+              <a:t>2017/6/12</a:t>
             </a:fld>
             <a:endParaRPr lang="zh-CN" altLang="en-US"/>
           </a:p>
@@ -3256,7 +3256,7 @@
           <a:p>
             <a:fld id="{82F288E0-7875-42C4-84C8-98DBBD3BF4D2}" type="datetimeFigureOut">
               <a:rPr lang="zh-CN" altLang="en-US" smtClean="0"/>
-              <a:t>2017/6/9</a:t>
+              <a:t>2017/6/12</a:t>
             </a:fld>
             <a:endParaRPr lang="zh-CN" altLang="en-US"/>
           </a:p>
@@ -3498,7 +3498,7 @@
           <a:p>
             <a:fld id="{82F288E0-7875-42C4-84C8-98DBBD3BF4D2}" type="datetimeFigureOut">
               <a:rPr lang="zh-CN" altLang="en-US" smtClean="0"/>
-              <a:t>2017/6/9</a:t>
+              <a:t>2017/6/12</a:t>
             </a:fld>
             <a:endParaRPr lang="zh-CN" altLang="en-US"/>
           </a:p>
@@ -3870,7 +3870,7 @@
           <a:p>
             <a:fld id="{82F288E0-7875-42C4-84C8-98DBBD3BF4D2}" type="datetimeFigureOut">
               <a:rPr lang="zh-CN" altLang="en-US" smtClean="0"/>
-              <a:t>2017/6/9</a:t>
+              <a:t>2017/6/12</a:t>
             </a:fld>
             <a:endParaRPr lang="zh-CN" altLang="en-US"/>
           </a:p>
@@ -3998,7 +3998,7 @@
           <a:p>
             <a:fld id="{82F288E0-7875-42C4-84C8-98DBBD3BF4D2}" type="datetimeFigureOut">
               <a:rPr lang="zh-CN" altLang="en-US" smtClean="0"/>
-              <a:t>2017/6/9</a:t>
+              <a:t>2017/6/12</a:t>
             </a:fld>
             <a:endParaRPr lang="zh-CN" altLang="en-US"/>
           </a:p>
@@ -4098,7 +4098,7 @@
           <a:p>
             <a:fld id="{82F288E0-7875-42C4-84C8-98DBBD3BF4D2}" type="datetimeFigureOut">
               <a:rPr lang="zh-CN" altLang="en-US" smtClean="0"/>
-              <a:t>2017/6/9</a:t>
+              <a:t>2017/6/12</a:t>
             </a:fld>
             <a:endParaRPr lang="zh-CN" altLang="en-US"/>
           </a:p>
@@ -4356,7 +4356,7 @@
           <a:p>
             <a:fld id="{82F288E0-7875-42C4-84C8-98DBBD3BF4D2}" type="datetimeFigureOut">
               <a:rPr lang="zh-CN" altLang="en-US" smtClean="0"/>
-              <a:t>2017/6/9</a:t>
+              <a:t>2017/6/12</a:t>
             </a:fld>
             <a:endParaRPr lang="zh-CN" altLang="en-US"/>
           </a:p>
@@ -4541,7 +4541,7 @@
           <a:p>
             <a:fld id="{82F288E0-7875-42C4-84C8-98DBBD3BF4D2}" type="datetimeFigureOut">
               <a:rPr lang="zh-CN" altLang="en-US" smtClean="0"/>
-              <a:t>2017/6/9</a:t>
+              <a:t>2017/6/12</a:t>
             </a:fld>
             <a:endParaRPr lang="zh-CN" altLang="en-US"/>
           </a:p>
@@ -4664,7 +4664,7 @@
           <a:p>
             <a:fld id="{82F288E0-7875-42C4-84C8-98DBBD3BF4D2}" type="datetimeFigureOut">
               <a:rPr lang="zh-CN" altLang="en-US" smtClean="0"/>
-              <a:t>2017/6/9</a:t>
+              <a:t>2017/6/12</a:t>
             </a:fld>
             <a:endParaRPr lang="zh-CN" altLang="en-US"/>
           </a:p>
@@ -5779,7 +5779,7 @@
         <p:spPr>
           <a:xfrm>
             <a:off x="383221" y="1337182"/>
-            <a:ext cx="11064240" cy="3785652"/>
+            <a:ext cx="11064240" cy="4093428"/>
           </a:xfrm>
           <a:prstGeom prst="rect">
             <a:avLst/>
@@ -5866,7 +5866,43 @@
               <a:rPr lang="zh-CN" altLang="en-US" sz="2000" dirty="0">
                 <a:hlinkClick r:id="rId4"/>
               </a:rPr>
-              <a:t>应用创建与管理</a:t>
+              <a:t>应用创建与</a:t>
+            </a:r>
+            <a:r>
+              <a:rPr lang="zh-CN" altLang="en-US" sz="2000" dirty="0" smtClean="0">
+                <a:hlinkClick r:id="rId4"/>
+              </a:rPr>
+              <a:t>管理，如果想对外可以测试的话，后台要配置对外公开，并且添加测试人的</a:t>
+            </a:r>
+            <a:r>
+              <a:rPr lang="en-US" altLang="zh-CN" sz="2000" dirty="0" smtClean="0">
+                <a:hlinkClick r:id="rId4"/>
+              </a:rPr>
+              <a:t>UserID</a:t>
+            </a:r>
+            <a:r>
+              <a:rPr lang="en-US" altLang="zh-CN" sz="2000" smtClean="0">
+                <a:hlinkClick r:id="rId4"/>
+              </a:rPr>
+              <a:t>(FB</a:t>
+            </a:r>
+            <a:r>
+              <a:rPr lang="zh-CN" altLang="en-US" sz="2000" smtClean="0">
+                <a:hlinkClick r:id="rId4"/>
+              </a:rPr>
+              <a:t>登录</a:t>
+            </a:r>
+            <a:r>
+              <a:rPr lang="zh-CN" altLang="en-US" sz="2000" dirty="0" smtClean="0">
+                <a:hlinkClick r:id="rId4"/>
+              </a:rPr>
+              <a:t>后的得到</a:t>
+            </a:r>
+            <a:r>
+              <a:rPr lang="en-US" altLang="zh-CN" sz="2000" dirty="0" smtClean="0">
+                <a:hlinkClick r:id="rId4"/>
+              </a:rPr>
+              <a:t>)</a:t>
             </a:r>
             <a:endParaRPr lang="en-US" altLang="zh-CN" sz="2000" dirty="0">
               <a:hlinkClick r:id="rId4"/>
